--- a/관련 자료/최적제어 기반 미사일 유도 제어 _R1.pptx
+++ b/관련 자료/최적제어 기반 미사일 유도 제어 _R1.pptx
@@ -245,7 +245,7 @@
           <a:p>
             <a:fld id="{D86F7B12-431B-4C41-844D-2B0B7CAB733F}" type="datetimeFigureOut">
               <a:rPr lang="ko-KR" altLang="en-US" smtClean="0"/>
-              <a:t>2021-07-18</a:t>
+              <a:t>2021-07-20</a:t>
             </a:fld>
             <a:endParaRPr lang="ko-KR" altLang="en-US"/>
           </a:p>
@@ -422,7 +422,7 @@
           <a:p>
             <a:fld id="{44B522EC-D584-400B-8F0E-4958D799F6E6}" type="datetimeFigureOut">
               <a:rPr lang="ko-KR" altLang="en-US" smtClean="0"/>
-              <a:t>2021-07-18</a:t>
+              <a:t>2021-07-20</a:t>
             </a:fld>
             <a:endParaRPr lang="ko-KR" altLang="en-US"/>
           </a:p>
@@ -3723,8 +3723,8 @@
           </p:sp>
         </mc:Fallback>
       </mc:AlternateContent>
-      <mc:AlternateContent xmlns:mc="http://schemas.openxmlformats.org/markup-compatibility/2006">
-        <mc:Choice xmlns:a14="http://schemas.microsoft.com/office/drawing/2010/main" Requires="a14">
+      <mc:AlternateContent xmlns:mc="http://schemas.openxmlformats.org/markup-compatibility/2006" xmlns:a14="http://schemas.microsoft.com/office/drawing/2010/main">
+        <mc:Choice Requires="a14">
           <p:sp>
             <p:nvSpPr>
               <p:cNvPr id="29" name="TextBox 28"/>
@@ -3858,7 +3858,6 @@
                 </a:endParaRPr>
               </a:p>
               <a:p>
-                <a:pPr/>
                 <a14:m>
                   <m:oMath xmlns:m="http://schemas.openxmlformats.org/officeDocument/2006/math">
                     <m:acc>
@@ -4025,7 +4024,7 @@
             </p:txBody>
           </p:sp>
         </mc:Choice>
-        <mc:Fallback>
+        <mc:Fallback xmlns="">
           <p:sp>
             <p:nvSpPr>
               <p:cNvPr id="29" name="TextBox 28"/>
@@ -4064,8 +4063,8 @@
           </p:sp>
         </mc:Fallback>
       </mc:AlternateContent>
-      <mc:AlternateContent xmlns:mc="http://schemas.openxmlformats.org/markup-compatibility/2006">
-        <mc:Choice xmlns:a14="http://schemas.microsoft.com/office/drawing/2010/main" Requires="a14">
+      <mc:AlternateContent xmlns:mc="http://schemas.openxmlformats.org/markup-compatibility/2006" xmlns:a14="http://schemas.microsoft.com/office/drawing/2010/main">
+        <mc:Choice Requires="a14">
           <p:sp>
             <p:nvSpPr>
               <p:cNvPr id="30" name="TextBox 29"/>
@@ -4300,7 +4299,7 @@
             </p:txBody>
           </p:sp>
         </mc:Choice>
-        <mc:Fallback>
+        <mc:Fallback xmlns="">
           <p:sp>
             <p:nvSpPr>
               <p:cNvPr id="30" name="TextBox 29"/>
@@ -4339,8 +4338,8 @@
           </p:sp>
         </mc:Fallback>
       </mc:AlternateContent>
-      <mc:AlternateContent xmlns:mc="http://schemas.openxmlformats.org/markup-compatibility/2006">
-        <mc:Choice xmlns:a14="http://schemas.microsoft.com/office/drawing/2010/main" Requires="a14">
+      <mc:AlternateContent xmlns:mc="http://schemas.openxmlformats.org/markup-compatibility/2006" xmlns:a14="http://schemas.microsoft.com/office/drawing/2010/main">
+        <mc:Choice Requires="a14">
           <p:sp>
             <p:nvSpPr>
               <p:cNvPr id="12" name="직사각형 11"/>
@@ -4692,7 +4691,7 @@
             </p:txBody>
           </p:sp>
         </mc:Choice>
-        <mc:Fallback>
+        <mc:Fallback xmlns="">
           <p:sp>
             <p:nvSpPr>
               <p:cNvPr id="12" name="직사각형 11"/>
@@ -4782,8 +4781,8 @@
           </a:p>
         </p:txBody>
       </p:sp>
-      <mc:AlternateContent xmlns:mc="http://schemas.openxmlformats.org/markup-compatibility/2006" xmlns:a14="http://schemas.microsoft.com/office/drawing/2010/main">
-        <mc:Choice Requires="a14">
+      <mc:AlternateContent xmlns:mc="http://schemas.openxmlformats.org/markup-compatibility/2006">
+        <mc:Choice xmlns:a14="http://schemas.microsoft.com/office/drawing/2010/main" Requires="a14">
           <p:sp>
             <p:nvSpPr>
               <p:cNvPr id="32" name="TextBox 31"/>
@@ -5006,6 +5005,15 @@
                         </a:rPr>
                         <m:t>=3</m:t>
                       </m:r>
+                      <m:r>
+                        <a:rPr lang="en-US" altLang="ko-KR" sz="1400" b="0" i="1" smtClean="0">
+                          <a:solidFill>
+                            <a:srgbClr val="3C3B39"/>
+                          </a:solidFill>
+                          <a:latin typeface="Cambria Math" panose="02040503050406030204" pitchFamily="18" charset="0"/>
+                        </a:rPr>
+                        <m:t>𝑉</m:t>
+                      </m:r>
                       <m:acc>
                         <m:accPr>
                           <m:chr m:val="̇"/>
@@ -5069,7 +5077,7 @@
             </p:txBody>
           </p:sp>
         </mc:Choice>
-        <mc:Fallback xmlns="">
+        <mc:Fallback>
           <p:sp>
             <p:nvSpPr>
               <p:cNvPr id="32" name="TextBox 31"/>
@@ -5356,8 +5364,8 @@
           </a:p>
         </p:txBody>
       </p:sp>
-      <mc:AlternateContent xmlns:mc="http://schemas.openxmlformats.org/markup-compatibility/2006">
-        <mc:Choice xmlns:a14="http://schemas.microsoft.com/office/drawing/2010/main" Requires="a14">
+      <mc:AlternateContent xmlns:mc="http://schemas.openxmlformats.org/markup-compatibility/2006" xmlns:a14="http://schemas.microsoft.com/office/drawing/2010/main">
+        <mc:Choice Requires="a14">
           <p:sp>
             <p:nvSpPr>
               <p:cNvPr id="22" name="TextBox 21"/>
@@ -5800,7 +5808,7 @@
             </p:txBody>
           </p:sp>
         </mc:Choice>
-        <mc:Fallback>
+        <mc:Fallback xmlns="">
           <p:sp>
             <p:nvSpPr>
               <p:cNvPr id="22" name="TextBox 21"/>
@@ -13688,8 +13696,8 @@
           </a:prstGeom>
         </p:spPr>
       </p:pic>
-      <mc:AlternateContent xmlns:mc="http://schemas.openxmlformats.org/markup-compatibility/2006">
-        <mc:Choice xmlns:a14="http://schemas.microsoft.com/office/drawing/2010/main" Requires="a14">
+      <mc:AlternateContent xmlns:mc="http://schemas.openxmlformats.org/markup-compatibility/2006" xmlns:a14="http://schemas.microsoft.com/office/drawing/2010/main">
+        <mc:Choice Requires="a14">
           <p:sp>
             <p:nvSpPr>
               <p:cNvPr id="4" name="TextBox 3"/>
@@ -14039,7 +14047,7 @@
             </p:txBody>
           </p:sp>
         </mc:Choice>
-        <mc:Fallback>
+        <mc:Fallback xmlns="">
           <p:sp>
             <p:nvSpPr>
               <p:cNvPr id="4" name="TextBox 3"/>
@@ -14525,8 +14533,8 @@
           </a:p>
         </p:txBody>
       </p:sp>
-      <mc:AlternateContent xmlns:mc="http://schemas.openxmlformats.org/markup-compatibility/2006">
-        <mc:Choice xmlns:a14="http://schemas.microsoft.com/office/drawing/2010/main" Requires="a14">
+      <mc:AlternateContent xmlns:mc="http://schemas.openxmlformats.org/markup-compatibility/2006" xmlns:a14="http://schemas.microsoft.com/office/drawing/2010/main">
+        <mc:Choice Requires="a14">
           <p:sp>
             <p:nvSpPr>
               <p:cNvPr id="11" name="TextBox 10"/>
@@ -14904,7 +14912,7 @@
             </p:txBody>
           </p:sp>
         </mc:Choice>
-        <mc:Fallback>
+        <mc:Fallback xmlns="">
           <p:sp>
             <p:nvSpPr>
               <p:cNvPr id="11" name="TextBox 10"/>
